--- a/CodeDesignGraph.pptx
+++ b/CodeDesignGraph.pptx
@@ -6,11 +6,12 @@
   </p:sldMasterIdLst>
   <p:sldIdLst>
     <p:sldId id="256" r:id="rId3"/>
+    <p:sldId id="257" r:id="rId4"/>
   </p:sldIdLst>
   <p:sldSz cx="12192000" cy="6858000"/>
   <p:notesSz cx="6858000" cy="9144000"/>
   <p:custDataLst>
-    <p:tags r:id="rId7"/>
+    <p:tags r:id="rId8"/>
   </p:custDataLst>
   <p:defaultTextStyle>
     <a:defPPr>
@@ -115,7 +116,7 @@
             <a:srgbClr val="A4A3A4"/>
           </p15:clr>
         </p15:guide>
-        <p15:guide id="2" pos="3861" userDrawn="1">
+        <p15:guide id="2" pos="3868" userDrawn="1">
           <p15:clr>
             <a:srgbClr val="A4A3A4"/>
           </p15:clr>
@@ -5814,6 +5815,965 @@
 </p:sld>
 </file>
 
+<file path=ppt/slides/slide2.xml><?xml version="1.0" encoding="utf-8"?>
+<p:sld xmlns:a="http://schemas.openxmlformats.org/drawingml/2006/main" xmlns:r="http://schemas.openxmlformats.org/officeDocument/2006/relationships" xmlns:p="http://schemas.openxmlformats.org/presentationml/2006/main">
+  <p:cSld>
+    <p:spTree>
+      <p:nvGrpSpPr>
+        <p:cNvPr id="1" name=""/>
+        <p:cNvGrpSpPr/>
+        <p:nvPr/>
+      </p:nvGrpSpPr>
+      <p:grpSpPr/>
+      <p:sp>
+        <p:nvSpPr>
+          <p:cNvPr id="4" name="矩形 3"/>
+          <p:cNvSpPr/>
+          <p:nvPr/>
+        </p:nvSpPr>
+        <p:spPr>
+          <a:xfrm>
+            <a:off x="0" y="0"/>
+            <a:ext cx="12281535" cy="6858000"/>
+          </a:xfrm>
+          <a:prstGeom prst="rect">
+            <a:avLst/>
+          </a:prstGeom>
+        </p:spPr>
+        <p:style>
+          <a:lnRef idx="2">
+            <a:schemeClr val="accent1">
+              <a:lumMod val="75000"/>
+            </a:schemeClr>
+          </a:lnRef>
+          <a:fillRef idx="1">
+            <a:schemeClr val="accent1"/>
+          </a:fillRef>
+          <a:effectRef idx="0">
+            <a:srgbClr val="FFFFFF"/>
+          </a:effectRef>
+          <a:fontRef idx="minor">
+            <a:schemeClr val="lt1"/>
+          </a:fontRef>
+        </p:style>
+        <p:txBody>
+          <a:bodyPr rtlCol="0" anchor="ctr"/>
+          <a:p>
+            <a:pPr algn="ctr"/>
+            <a:endParaRPr lang="zh-CN" altLang="en-US"/>
+          </a:p>
+        </p:txBody>
+      </p:sp>
+      <p:grpSp>
+        <p:nvGrpSpPr>
+          <p:cNvPr id="20" name="组合 19"/>
+          <p:cNvGrpSpPr/>
+          <p:nvPr/>
+        </p:nvGrpSpPr>
+        <p:grpSpPr>
+          <a:xfrm>
+            <a:off x="1452880" y="595630"/>
+            <a:ext cx="7335520" cy="6521450"/>
+            <a:chOff x="2288" y="938"/>
+            <a:chExt cx="11552" cy="10270"/>
+          </a:xfrm>
+        </p:grpSpPr>
+        <p:pic>
+          <p:nvPicPr>
+            <p:cNvPr id="100" name="图片 99"/>
+            <p:cNvPicPr/>
+            <p:nvPr>
+              <p:custDataLst>
+                <p:tags r:id="rId1"/>
+              </p:custDataLst>
+            </p:nvPr>
+          </p:nvPicPr>
+          <p:blipFill>
+            <a:blip r:embed="rId2"/>
+            <a:stretch>
+              <a:fillRect/>
+            </a:stretch>
+          </p:blipFill>
+          <p:spPr>
+            <a:xfrm>
+              <a:off x="2288" y="938"/>
+              <a:ext cx="1401" cy="1401"/>
+            </a:xfrm>
+            <a:prstGeom prst="rect">
+              <a:avLst/>
+            </a:prstGeom>
+            <a:noFill/>
+            <a:ln w="9525">
+              <a:noFill/>
+            </a:ln>
+          </p:spPr>
+        </p:pic>
+        <p:pic>
+          <p:nvPicPr>
+            <p:cNvPr id="5" name="图片 4"/>
+            <p:cNvPicPr>
+              <a:picLocks noChangeAspect="1"/>
+            </p:cNvPicPr>
+            <p:nvPr>
+              <p:custDataLst>
+                <p:tags r:id="rId3"/>
+              </p:custDataLst>
+            </p:nvPr>
+          </p:nvPicPr>
+          <p:blipFill>
+            <a:blip r:embed="rId4"/>
+            <a:stretch>
+              <a:fillRect/>
+            </a:stretch>
+          </p:blipFill>
+          <p:spPr>
+            <a:xfrm>
+              <a:off x="2288" y="5427"/>
+              <a:ext cx="1402" cy="1402"/>
+            </a:xfrm>
+            <a:prstGeom prst="rect">
+              <a:avLst/>
+            </a:prstGeom>
+          </p:spPr>
+        </p:pic>
+        <p:pic>
+          <p:nvPicPr>
+            <p:cNvPr id="6" name="图片 5"/>
+            <p:cNvPicPr>
+              <a:picLocks noChangeAspect="1"/>
+            </p:cNvPicPr>
+            <p:nvPr>
+              <p:custDataLst>
+                <p:tags r:id="rId5"/>
+              </p:custDataLst>
+            </p:nvPr>
+          </p:nvPicPr>
+          <p:blipFill>
+            <a:blip r:embed="rId6"/>
+            <a:stretch>
+              <a:fillRect/>
+            </a:stretch>
+          </p:blipFill>
+          <p:spPr>
+            <a:xfrm>
+              <a:off x="2288" y="2388"/>
+              <a:ext cx="1402" cy="1402"/>
+            </a:xfrm>
+            <a:prstGeom prst="rect">
+              <a:avLst/>
+            </a:prstGeom>
+          </p:spPr>
+        </p:pic>
+        <p:pic>
+          <p:nvPicPr>
+            <p:cNvPr id="7" name="图片 6"/>
+            <p:cNvPicPr>
+              <a:picLocks noChangeAspect="1"/>
+            </p:cNvPicPr>
+            <p:nvPr>
+              <p:custDataLst>
+                <p:tags r:id="rId7"/>
+              </p:custDataLst>
+            </p:nvPr>
+          </p:nvPicPr>
+          <p:blipFill>
+            <a:blip r:embed="rId8"/>
+            <a:stretch>
+              <a:fillRect/>
+            </a:stretch>
+          </p:blipFill>
+          <p:spPr>
+            <a:xfrm>
+              <a:off x="2288" y="6828"/>
+              <a:ext cx="1460" cy="1460"/>
+            </a:xfrm>
+            <a:prstGeom prst="rect">
+              <a:avLst/>
+            </a:prstGeom>
+          </p:spPr>
+        </p:pic>
+        <p:pic>
+          <p:nvPicPr>
+            <p:cNvPr id="8" name="图片 7"/>
+            <p:cNvPicPr>
+              <a:picLocks noChangeAspect="1"/>
+            </p:cNvPicPr>
+            <p:nvPr>
+              <p:custDataLst>
+                <p:tags r:id="rId9"/>
+              </p:custDataLst>
+            </p:nvPr>
+          </p:nvPicPr>
+          <p:blipFill>
+            <a:blip r:embed="rId10"/>
+            <a:stretch>
+              <a:fillRect/>
+            </a:stretch>
+          </p:blipFill>
+          <p:spPr>
+            <a:xfrm>
+              <a:off x="4275" y="938"/>
+              <a:ext cx="1407" cy="1407"/>
+            </a:xfrm>
+            <a:prstGeom prst="rect">
+              <a:avLst/>
+            </a:prstGeom>
+          </p:spPr>
+        </p:pic>
+        <p:pic>
+          <p:nvPicPr>
+            <p:cNvPr id="9" name="图片 8"/>
+            <p:cNvPicPr>
+              <a:picLocks noChangeAspect="1"/>
+            </p:cNvPicPr>
+            <p:nvPr>
+              <p:custDataLst>
+                <p:tags r:id="rId11"/>
+              </p:custDataLst>
+            </p:nvPr>
+          </p:nvPicPr>
+          <p:blipFill>
+            <a:blip r:embed="rId12"/>
+            <a:stretch>
+              <a:fillRect/>
+            </a:stretch>
+          </p:blipFill>
+          <p:spPr>
+            <a:xfrm>
+              <a:off x="4275" y="2388"/>
+              <a:ext cx="1450" cy="1450"/>
+            </a:xfrm>
+            <a:prstGeom prst="rect">
+              <a:avLst/>
+            </a:prstGeom>
+          </p:spPr>
+        </p:pic>
+        <p:pic>
+          <p:nvPicPr>
+            <p:cNvPr id="10" name="图片 9"/>
+            <p:cNvPicPr>
+              <a:picLocks noChangeAspect="1"/>
+            </p:cNvPicPr>
+            <p:nvPr>
+              <p:custDataLst>
+                <p:tags r:id="rId13"/>
+              </p:custDataLst>
+            </p:nvPr>
+          </p:nvPicPr>
+          <p:blipFill>
+            <a:blip r:embed="rId14"/>
+            <a:stretch>
+              <a:fillRect/>
+            </a:stretch>
+          </p:blipFill>
+          <p:spPr>
+            <a:xfrm>
+              <a:off x="2289" y="8288"/>
+              <a:ext cx="1459" cy="1459"/>
+            </a:xfrm>
+            <a:prstGeom prst="rect">
+              <a:avLst/>
+            </a:prstGeom>
+          </p:spPr>
+        </p:pic>
+        <p:pic>
+          <p:nvPicPr>
+            <p:cNvPr id="11" name="图片 10"/>
+            <p:cNvPicPr>
+              <a:picLocks noChangeAspect="1"/>
+            </p:cNvPicPr>
+            <p:nvPr>
+              <p:custDataLst>
+                <p:tags r:id="rId15"/>
+              </p:custDataLst>
+            </p:nvPr>
+          </p:nvPicPr>
+          <p:blipFill>
+            <a:blip r:embed="rId16"/>
+            <a:stretch>
+              <a:fillRect/>
+            </a:stretch>
+          </p:blipFill>
+          <p:spPr>
+            <a:xfrm>
+              <a:off x="2288" y="3994"/>
+              <a:ext cx="3435" cy="1200"/>
+            </a:xfrm>
+            <a:prstGeom prst="rect">
+              <a:avLst/>
+            </a:prstGeom>
+          </p:spPr>
+        </p:pic>
+        <p:sp>
+          <p:nvSpPr>
+            <p:cNvPr id="12" name="矩形 11"/>
+            <p:cNvSpPr/>
+            <p:nvPr/>
+          </p:nvSpPr>
+          <p:spPr>
+            <a:xfrm>
+              <a:off x="6771" y="952"/>
+              <a:ext cx="3741" cy="1210"/>
+            </a:xfrm>
+            <a:prstGeom prst="rect">
+              <a:avLst/>
+            </a:prstGeom>
+            <a:noFill/>
+            <a:ln>
+              <a:noFill/>
+            </a:ln>
+          </p:spPr>
+          <p:txBody>
+            <a:bodyPr wrap="none" rtlCol="0" anchor="t">
+              <a:spAutoFit/>
+            </a:bodyPr>
+            <a:p>
+              <a:pPr algn="ctr"/>
+              <a:r>
+                <a:rPr lang="en-US" altLang="zh-CN" sz="4400" b="1">
+                  <a:ln w="12700">
+                    <a:solidFill>
+                      <a:schemeClr val="tx2">
+                        <a:lumMod val="75000"/>
+                      </a:schemeClr>
+                    </a:solidFill>
+                    <a:prstDash val="solid"/>
+                  </a:ln>
+                  <a:pattFill prst="dkUpDiag">
+                    <a:fgClr>
+                      <a:schemeClr val="tx2"/>
+                    </a:fgClr>
+                    <a:bgClr>
+                      <a:schemeClr val="tx2">
+                        <a:lumMod val="20000"/>
+                        <a:lumOff val="80000"/>
+                      </a:schemeClr>
+                    </a:bgClr>
+                  </a:pattFill>
+                  <a:effectLst>
+                    <a:outerShdw dist="38100" dir="2640000" algn="bl" rotWithShape="0">
+                      <a:schemeClr val="tx2">
+                        <a:lumMod val="75000"/>
+                      </a:schemeClr>
+                    </a:outerShdw>
+                  </a:effectLst>
+                </a:rPr>
+                <a:t>Turn left</a:t>
+              </a:r>
+              <a:endParaRPr lang="en-US" altLang="zh-CN" sz="4400" b="1">
+                <a:ln w="12700">
+                  <a:solidFill>
+                    <a:schemeClr val="tx2">
+                      <a:lumMod val="75000"/>
+                    </a:schemeClr>
+                  </a:solidFill>
+                  <a:prstDash val="solid"/>
+                </a:ln>
+                <a:pattFill prst="dkUpDiag">
+                  <a:fgClr>
+                    <a:schemeClr val="tx2"/>
+                  </a:fgClr>
+                  <a:bgClr>
+                    <a:schemeClr val="tx2">
+                      <a:lumMod val="20000"/>
+                      <a:lumOff val="80000"/>
+                    </a:schemeClr>
+                  </a:bgClr>
+                </a:pattFill>
+                <a:effectLst>
+                  <a:outerShdw dist="38100" dir="2640000" algn="bl" rotWithShape="0">
+                    <a:schemeClr val="tx2">
+                      <a:lumMod val="75000"/>
+                    </a:schemeClr>
+                  </a:outerShdw>
+                </a:effectLst>
+              </a:endParaRPr>
+            </a:p>
+          </p:txBody>
+        </p:sp>
+        <p:sp>
+          <p:nvSpPr>
+            <p:cNvPr id="13" name="矩形 12"/>
+            <p:cNvSpPr/>
+            <p:nvPr>
+              <p:custDataLst>
+                <p:tags r:id="rId17"/>
+              </p:custDataLst>
+            </p:nvPr>
+          </p:nvSpPr>
+          <p:spPr>
+            <a:xfrm>
+              <a:off x="6771" y="2388"/>
+              <a:ext cx="4671" cy="1210"/>
+            </a:xfrm>
+            <a:prstGeom prst="rect">
+              <a:avLst/>
+            </a:prstGeom>
+            <a:noFill/>
+            <a:ln>
+              <a:noFill/>
+            </a:ln>
+          </p:spPr>
+          <p:txBody>
+            <a:bodyPr wrap="none" rtlCol="0" anchor="t">
+              <a:spAutoFit/>
+            </a:bodyPr>
+            <a:p>
+              <a:pPr algn="ctr"/>
+              <a:r>
+                <a:rPr lang="en-US" altLang="zh-CN" sz="4400" b="1">
+                  <a:ln w="12700">
+                    <a:solidFill>
+                      <a:schemeClr val="tx2">
+                        <a:lumMod val="75000"/>
+                      </a:schemeClr>
+                    </a:solidFill>
+                    <a:prstDash val="solid"/>
+                  </a:ln>
+                  <a:pattFill prst="dkUpDiag">
+                    <a:fgClr>
+                      <a:schemeClr val="tx2"/>
+                    </a:fgClr>
+                    <a:bgClr>
+                      <a:schemeClr val="tx2">
+                        <a:lumMod val="20000"/>
+                        <a:lumOff val="80000"/>
+                      </a:schemeClr>
+                    </a:bgClr>
+                  </a:pattFill>
+                  <a:effectLst>
+                    <a:outerShdw dist="38100" dir="2640000" algn="bl" rotWithShape="0">
+                      <a:schemeClr val="tx2">
+                        <a:lumMod val="75000"/>
+                      </a:schemeClr>
+                    </a:outerShdw>
+                  </a:effectLst>
+                </a:rPr>
+                <a:t>Turn Right</a:t>
+              </a:r>
+              <a:endParaRPr lang="en-US" altLang="zh-CN" sz="4400" b="1">
+                <a:ln w="12700">
+                  <a:solidFill>
+                    <a:schemeClr val="tx2">
+                      <a:lumMod val="75000"/>
+                    </a:schemeClr>
+                  </a:solidFill>
+                  <a:prstDash val="solid"/>
+                </a:ln>
+                <a:pattFill prst="dkUpDiag">
+                  <a:fgClr>
+                    <a:schemeClr val="tx2"/>
+                  </a:fgClr>
+                  <a:bgClr>
+                    <a:schemeClr val="tx2">
+                      <a:lumMod val="20000"/>
+                      <a:lumOff val="80000"/>
+                    </a:schemeClr>
+                  </a:bgClr>
+                </a:pattFill>
+                <a:effectLst>
+                  <a:outerShdw dist="38100" dir="2640000" algn="bl" rotWithShape="0">
+                    <a:schemeClr val="tx2">
+                      <a:lumMod val="75000"/>
+                    </a:schemeClr>
+                  </a:outerShdw>
+                </a:effectLst>
+              </a:endParaRPr>
+            </a:p>
+          </p:txBody>
+        </p:sp>
+        <p:sp>
+          <p:nvSpPr>
+            <p:cNvPr id="14" name="矩形 13"/>
+            <p:cNvSpPr/>
+            <p:nvPr>
+              <p:custDataLst>
+                <p:tags r:id="rId18"/>
+              </p:custDataLst>
+            </p:nvPr>
+          </p:nvSpPr>
+          <p:spPr>
+            <a:xfrm>
+              <a:off x="5682" y="5469"/>
+              <a:ext cx="2782" cy="1210"/>
+            </a:xfrm>
+            <a:prstGeom prst="rect">
+              <a:avLst/>
+            </a:prstGeom>
+            <a:noFill/>
+            <a:ln>
+              <a:noFill/>
+            </a:ln>
+          </p:spPr>
+          <p:txBody>
+            <a:bodyPr wrap="none" rtlCol="0" anchor="t">
+              <a:spAutoFit/>
+            </a:bodyPr>
+            <a:p>
+              <a:pPr algn="ctr"/>
+              <a:r>
+                <a:rPr lang="en-US" altLang="zh-CN" sz="4400" b="1">
+                  <a:ln w="12700">
+                    <a:solidFill>
+                      <a:schemeClr val="tx2">
+                        <a:lumMod val="75000"/>
+                      </a:schemeClr>
+                    </a:solidFill>
+                    <a:prstDash val="solid"/>
+                  </a:ln>
+                  <a:pattFill prst="dkUpDiag">
+                    <a:fgClr>
+                      <a:schemeClr val="tx2"/>
+                    </a:fgClr>
+                    <a:bgClr>
+                      <a:schemeClr val="tx2">
+                        <a:lumMod val="20000"/>
+                        <a:lumOff val="80000"/>
+                      </a:schemeClr>
+                    </a:bgClr>
+                  </a:pattFill>
+                  <a:effectLst>
+                    <a:outerShdw dist="38100" dir="2640000" algn="bl" rotWithShape="0">
+                      <a:schemeClr val="tx2">
+                        <a:lumMod val="75000"/>
+                      </a:schemeClr>
+                    </a:outerShdw>
+                  </a:effectLst>
+                </a:rPr>
+                <a:t>Shoot</a:t>
+              </a:r>
+              <a:endParaRPr lang="en-US" altLang="zh-CN" sz="4400" b="1">
+                <a:ln w="12700">
+                  <a:solidFill>
+                    <a:schemeClr val="tx2">
+                      <a:lumMod val="75000"/>
+                    </a:schemeClr>
+                  </a:solidFill>
+                  <a:prstDash val="solid"/>
+                </a:ln>
+                <a:pattFill prst="dkUpDiag">
+                  <a:fgClr>
+                    <a:schemeClr val="tx2"/>
+                  </a:fgClr>
+                  <a:bgClr>
+                    <a:schemeClr val="tx2">
+                      <a:lumMod val="20000"/>
+                      <a:lumOff val="80000"/>
+                    </a:schemeClr>
+                  </a:bgClr>
+                </a:pattFill>
+                <a:effectLst>
+                  <a:outerShdw dist="38100" dir="2640000" algn="bl" rotWithShape="0">
+                    <a:schemeClr val="tx2">
+                      <a:lumMod val="75000"/>
+                    </a:schemeClr>
+                  </a:outerShdw>
+                </a:effectLst>
+              </a:endParaRPr>
+            </a:p>
+          </p:txBody>
+        </p:sp>
+        <p:sp>
+          <p:nvSpPr>
+            <p:cNvPr id="15" name="矩形 14"/>
+            <p:cNvSpPr/>
+            <p:nvPr>
+              <p:custDataLst>
+                <p:tags r:id="rId19"/>
+              </p:custDataLst>
+            </p:nvPr>
+          </p:nvSpPr>
+          <p:spPr>
+            <a:xfrm>
+              <a:off x="5682" y="6828"/>
+              <a:ext cx="4932" cy="1210"/>
+            </a:xfrm>
+            <a:prstGeom prst="rect">
+              <a:avLst/>
+            </a:prstGeom>
+            <a:noFill/>
+            <a:ln>
+              <a:noFill/>
+            </a:ln>
+          </p:spPr>
+          <p:txBody>
+            <a:bodyPr wrap="none" rtlCol="0" anchor="t">
+              <a:spAutoFit/>
+            </a:bodyPr>
+            <a:p>
+              <a:pPr algn="ctr"/>
+              <a:r>
+                <a:rPr lang="en-US" altLang="zh-CN" sz="4400" b="1">
+                  <a:ln w="12700">
+                    <a:solidFill>
+                      <a:schemeClr val="tx2">
+                        <a:lumMod val="75000"/>
+                      </a:schemeClr>
+                    </a:solidFill>
+                    <a:prstDash val="solid"/>
+                  </a:ln>
+                  <a:pattFill prst="dkUpDiag">
+                    <a:fgClr>
+                      <a:schemeClr val="tx2"/>
+                    </a:fgClr>
+                    <a:bgClr>
+                      <a:schemeClr val="tx2">
+                        <a:lumMod val="20000"/>
+                        <a:lumOff val="80000"/>
+                      </a:schemeClr>
+                    </a:bgClr>
+                  </a:pattFill>
+                  <a:effectLst>
+                    <a:outerShdw dist="38100" dir="2640000" algn="bl" rotWithShape="0">
+                      <a:schemeClr val="tx2">
+                        <a:lumMod val="75000"/>
+                      </a:schemeClr>
+                    </a:outerShdw>
+                  </a:effectLst>
+                </a:rPr>
+                <a:t>Stop Game</a:t>
+              </a:r>
+              <a:endParaRPr lang="en-US" altLang="zh-CN" sz="4400" b="1">
+                <a:ln w="12700">
+                  <a:solidFill>
+                    <a:schemeClr val="tx2">
+                      <a:lumMod val="75000"/>
+                    </a:schemeClr>
+                  </a:solidFill>
+                  <a:prstDash val="solid"/>
+                </a:ln>
+                <a:pattFill prst="dkUpDiag">
+                  <a:fgClr>
+                    <a:schemeClr val="tx2"/>
+                  </a:fgClr>
+                  <a:bgClr>
+                    <a:schemeClr val="tx2">
+                      <a:lumMod val="20000"/>
+                      <a:lumOff val="80000"/>
+                    </a:schemeClr>
+                  </a:bgClr>
+                </a:pattFill>
+                <a:effectLst>
+                  <a:outerShdw dist="38100" dir="2640000" algn="bl" rotWithShape="0">
+                    <a:schemeClr val="tx2">
+                      <a:lumMod val="75000"/>
+                    </a:schemeClr>
+                  </a:outerShdw>
+                </a:effectLst>
+              </a:endParaRPr>
+            </a:p>
+          </p:txBody>
+        </p:sp>
+        <p:sp>
+          <p:nvSpPr>
+            <p:cNvPr id="16" name="矩形 15"/>
+            <p:cNvSpPr/>
+            <p:nvPr>
+              <p:custDataLst>
+                <p:tags r:id="rId20"/>
+              </p:custDataLst>
+            </p:nvPr>
+          </p:nvSpPr>
+          <p:spPr>
+            <a:xfrm>
+              <a:off x="5682" y="8288"/>
+              <a:ext cx="8158" cy="1210"/>
+            </a:xfrm>
+            <a:prstGeom prst="rect">
+              <a:avLst/>
+            </a:prstGeom>
+            <a:noFill/>
+            <a:ln>
+              <a:noFill/>
+            </a:ln>
+          </p:spPr>
+          <p:txBody>
+            <a:bodyPr wrap="none" rtlCol="0" anchor="t">
+              <a:spAutoFit/>
+            </a:bodyPr>
+            <a:p>
+              <a:pPr algn="ctr"/>
+              <a:r>
+                <a:rPr lang="en-US" altLang="zh-CN" sz="4400" b="1">
+                  <a:ln w="12700">
+                    <a:solidFill>
+                      <a:schemeClr val="tx2">
+                        <a:lumMod val="75000"/>
+                      </a:schemeClr>
+                    </a:solidFill>
+                    <a:prstDash val="solid"/>
+                  </a:ln>
+                  <a:pattFill prst="dkUpDiag">
+                    <a:fgClr>
+                      <a:schemeClr val="tx2"/>
+                    </a:fgClr>
+                    <a:bgClr>
+                      <a:schemeClr val="tx2">
+                        <a:lumMod val="20000"/>
+                        <a:lumOff val="80000"/>
+                      </a:schemeClr>
+                    </a:bgClr>
+                  </a:pattFill>
+                  <a:effectLst>
+                    <a:outerShdw dist="38100" dir="2640000" algn="bl" rotWithShape="0">
+                      <a:schemeClr val="tx2">
+                        <a:lumMod val="75000"/>
+                      </a:schemeClr>
+                    </a:outerShdw>
+                  </a:effectLst>
+                </a:rPr>
+                <a:t>Show floating gold</a:t>
+              </a:r>
+              <a:endParaRPr lang="en-US" altLang="zh-CN" sz="4400" b="1">
+                <a:ln w="12700">
+                  <a:solidFill>
+                    <a:schemeClr val="tx2">
+                      <a:lumMod val="75000"/>
+                    </a:schemeClr>
+                  </a:solidFill>
+                  <a:prstDash val="solid"/>
+                </a:ln>
+                <a:pattFill prst="dkUpDiag">
+                  <a:fgClr>
+                    <a:schemeClr val="tx2"/>
+                  </a:fgClr>
+                  <a:bgClr>
+                    <a:schemeClr val="tx2">
+                      <a:lumMod val="20000"/>
+                      <a:lumOff val="80000"/>
+                    </a:schemeClr>
+                  </a:bgClr>
+                </a:pattFill>
+                <a:effectLst>
+                  <a:outerShdw dist="38100" dir="2640000" algn="bl" rotWithShape="0">
+                    <a:schemeClr val="tx2">
+                      <a:lumMod val="75000"/>
+                    </a:schemeClr>
+                  </a:outerShdw>
+                </a:effectLst>
+              </a:endParaRPr>
+            </a:p>
+          </p:txBody>
+        </p:sp>
+        <p:sp>
+          <p:nvSpPr>
+            <p:cNvPr id="17" name="矩形 16"/>
+            <p:cNvSpPr/>
+            <p:nvPr>
+              <p:custDataLst>
+                <p:tags r:id="rId21"/>
+              </p:custDataLst>
+            </p:nvPr>
+          </p:nvSpPr>
+          <p:spPr>
+            <a:xfrm>
+              <a:off x="6918" y="3824"/>
+              <a:ext cx="2635" cy="1210"/>
+            </a:xfrm>
+            <a:prstGeom prst="rect">
+              <a:avLst/>
+            </a:prstGeom>
+            <a:noFill/>
+            <a:ln>
+              <a:noFill/>
+            </a:ln>
+          </p:spPr>
+          <p:txBody>
+            <a:bodyPr wrap="none" rtlCol="0" anchor="t">
+              <a:spAutoFit/>
+            </a:bodyPr>
+            <a:p>
+              <a:pPr algn="ctr"/>
+              <a:r>
+                <a:rPr lang="en-US" altLang="zh-CN" sz="4400" b="1">
+                  <a:ln w="12700">
+                    <a:solidFill>
+                      <a:schemeClr val="tx2">
+                        <a:lumMod val="75000"/>
+                      </a:schemeClr>
+                    </a:solidFill>
+                    <a:prstDash val="solid"/>
+                  </a:ln>
+                  <a:pattFill prst="dkUpDiag">
+                    <a:fgClr>
+                      <a:schemeClr val="tx2"/>
+                    </a:fgClr>
+                    <a:bgClr>
+                      <a:schemeClr val="tx2">
+                        <a:lumMod val="20000"/>
+                        <a:lumOff val="80000"/>
+                      </a:schemeClr>
+                    </a:bgClr>
+                  </a:pattFill>
+                  <a:effectLst>
+                    <a:outerShdw dist="38100" dir="2640000" algn="bl" rotWithShape="0">
+                      <a:schemeClr val="tx2">
+                        <a:lumMod val="75000"/>
+                      </a:schemeClr>
+                    </a:outerShdw>
+                  </a:effectLst>
+                </a:rPr>
+                <a:t>Jump</a:t>
+              </a:r>
+              <a:endParaRPr lang="en-US" altLang="zh-CN" sz="4400" b="1">
+                <a:ln w="12700">
+                  <a:solidFill>
+                    <a:schemeClr val="tx2">
+                      <a:lumMod val="75000"/>
+                    </a:schemeClr>
+                  </a:solidFill>
+                  <a:prstDash val="solid"/>
+                </a:ln>
+                <a:pattFill prst="dkUpDiag">
+                  <a:fgClr>
+                    <a:schemeClr val="tx2"/>
+                  </a:fgClr>
+                  <a:bgClr>
+                    <a:schemeClr val="tx2">
+                      <a:lumMod val="20000"/>
+                      <a:lumOff val="80000"/>
+                    </a:schemeClr>
+                  </a:bgClr>
+                </a:pattFill>
+                <a:effectLst>
+                  <a:outerShdw dist="38100" dir="2640000" algn="bl" rotWithShape="0">
+                    <a:schemeClr val="tx2">
+                      <a:lumMod val="75000"/>
+                    </a:schemeClr>
+                  </a:outerShdw>
+                </a:effectLst>
+              </a:endParaRPr>
+            </a:p>
+          </p:txBody>
+        </p:sp>
+        <p:pic>
+          <p:nvPicPr>
+            <p:cNvPr id="18" name="图片 17"/>
+            <p:cNvPicPr>
+              <a:picLocks noChangeAspect="1"/>
+            </p:cNvPicPr>
+            <p:nvPr>
+              <p:custDataLst>
+                <p:tags r:id="rId22"/>
+              </p:custDataLst>
+            </p:nvPr>
+          </p:nvPicPr>
+          <p:blipFill>
+            <a:blip r:embed="rId23"/>
+            <a:stretch>
+              <a:fillRect/>
+            </a:stretch>
+          </p:blipFill>
+          <p:spPr>
+            <a:xfrm>
+              <a:off x="2288" y="9747"/>
+              <a:ext cx="1461" cy="1461"/>
+            </a:xfrm>
+            <a:prstGeom prst="rect">
+              <a:avLst/>
+            </a:prstGeom>
+          </p:spPr>
+        </p:pic>
+        <p:sp>
+          <p:nvSpPr>
+            <p:cNvPr id="19" name="矩形 18"/>
+            <p:cNvSpPr/>
+            <p:nvPr>
+              <p:custDataLst>
+                <p:tags r:id="rId24"/>
+              </p:custDataLst>
+            </p:nvPr>
+          </p:nvSpPr>
+          <p:spPr>
+            <a:xfrm>
+              <a:off x="5725" y="9748"/>
+              <a:ext cx="6643" cy="1210"/>
+            </a:xfrm>
+            <a:prstGeom prst="rect">
+              <a:avLst/>
+            </a:prstGeom>
+            <a:noFill/>
+            <a:ln>
+              <a:noFill/>
+            </a:ln>
+          </p:spPr>
+          <p:txBody>
+            <a:bodyPr wrap="none" rtlCol="0" anchor="t">
+              <a:spAutoFit/>
+            </a:bodyPr>
+            <a:p>
+              <a:pPr algn="ctr"/>
+              <a:r>
+                <a:rPr lang="en-US" altLang="zh-CN" sz="4400" b="1">
+                  <a:ln w="12700">
+                    <a:solidFill>
+                      <a:schemeClr val="tx2">
+                        <a:lumMod val="75000"/>
+                      </a:schemeClr>
+                    </a:solidFill>
+                    <a:prstDash val="solid"/>
+                  </a:ln>
+                  <a:pattFill prst="dkUpDiag">
+                    <a:fgClr>
+                      <a:schemeClr val="tx2"/>
+                    </a:fgClr>
+                    <a:bgClr>
+                      <a:schemeClr val="tx2">
+                        <a:lumMod val="20000"/>
+                        <a:lumOff val="80000"/>
+                      </a:schemeClr>
+                    </a:bgClr>
+                  </a:pattFill>
+                  <a:effectLst>
+                    <a:outerShdw dist="38100" dir="2640000" algn="bl" rotWithShape="0">
+                      <a:schemeClr val="tx2">
+                        <a:lumMod val="75000"/>
+                      </a:schemeClr>
+                    </a:outerShdw>
+                  </a:effectLst>
+                </a:rPr>
+                <a:t>Switch weapon</a:t>
+              </a:r>
+              <a:endParaRPr lang="en-US" altLang="zh-CN" sz="4400" b="1">
+                <a:ln w="12700">
+                  <a:solidFill>
+                    <a:schemeClr val="tx2">
+                      <a:lumMod val="75000"/>
+                    </a:schemeClr>
+                  </a:solidFill>
+                  <a:prstDash val="solid"/>
+                </a:ln>
+                <a:pattFill prst="dkUpDiag">
+                  <a:fgClr>
+                    <a:schemeClr val="tx2"/>
+                  </a:fgClr>
+                  <a:bgClr>
+                    <a:schemeClr val="tx2">
+                      <a:lumMod val="20000"/>
+                      <a:lumOff val="80000"/>
+                    </a:schemeClr>
+                  </a:bgClr>
+                </a:pattFill>
+                <a:effectLst>
+                  <a:outerShdw dist="38100" dir="2640000" algn="bl" rotWithShape="0">
+                    <a:schemeClr val="tx2">
+                      <a:lumMod val="75000"/>
+                    </a:schemeClr>
+                  </a:outerShdw>
+                </a:effectLst>
+              </a:endParaRPr>
+            </a:p>
+          </p:txBody>
+        </p:sp>
+      </p:grpSp>
+    </p:spTree>
+  </p:cSld>
+  <p:clrMapOvr>
+    <a:masterClrMapping/>
+  </p:clrMapOvr>
+</p:sld>
+</file>
+
 <file path=ppt/tags/tag1.xml><?xml version="1.0" encoding="utf-8"?>
 <p:tagLst xmlns:p="http://schemas.openxmlformats.org/presentationml/2006/main">
   <p:tag name="KSO_WM_UNIT_HIGHLIGHT" val="0"/>
@@ -5930,7 +6890,61 @@
 
 <file path=ppt/tags/tag110.xml><?xml version="1.0" encoding="utf-8"?>
 <p:tagLst xmlns:p="http://schemas.openxmlformats.org/presentationml/2006/main">
-  <p:tag name="commondata" val="eyJoZGlkIjoiNjlmYTBjMzY5ZGFjOWY3YzM1NTlkODk2MDFmODU2ZGIifQ=="/>
+  <p:tag name="KSO_WM_BEAUTIFY_FLAG" val=""/>
+</p:tagLst>
+</file>
+
+<file path=ppt/tags/tag111.xml><?xml version="1.0" encoding="utf-8"?>
+<p:tagLst xmlns:p="http://schemas.openxmlformats.org/presentationml/2006/main">
+  <p:tag name="KSO_WM_BEAUTIFY_FLAG" val=""/>
+</p:tagLst>
+</file>
+
+<file path=ppt/tags/tag112.xml><?xml version="1.0" encoding="utf-8"?>
+<p:tagLst xmlns:p="http://schemas.openxmlformats.org/presentationml/2006/main">
+  <p:tag name="KSO_WM_BEAUTIFY_FLAG" val=""/>
+</p:tagLst>
+</file>
+
+<file path=ppt/tags/tag113.xml><?xml version="1.0" encoding="utf-8"?>
+<p:tagLst xmlns:p="http://schemas.openxmlformats.org/presentationml/2006/main">
+  <p:tag name="KSO_WM_BEAUTIFY_FLAG" val=""/>
+</p:tagLst>
+</file>
+
+<file path=ppt/tags/tag114.xml><?xml version="1.0" encoding="utf-8"?>
+<p:tagLst xmlns:p="http://schemas.openxmlformats.org/presentationml/2006/main">
+  <p:tag name="KSO_WM_BEAUTIFY_FLAG" val=""/>
+</p:tagLst>
+</file>
+
+<file path=ppt/tags/tag115.xml><?xml version="1.0" encoding="utf-8"?>
+<p:tagLst xmlns:p="http://schemas.openxmlformats.org/presentationml/2006/main">
+  <p:tag name="KSO_WM_BEAUTIFY_FLAG" val=""/>
+</p:tagLst>
+</file>
+
+<file path=ppt/tags/tag116.xml><?xml version="1.0" encoding="utf-8"?>
+<p:tagLst xmlns:p="http://schemas.openxmlformats.org/presentationml/2006/main">
+  <p:tag name="KSO_WM_BEAUTIFY_FLAG" val=""/>
+</p:tagLst>
+</file>
+
+<file path=ppt/tags/tag117.xml><?xml version="1.0" encoding="utf-8"?>
+<p:tagLst xmlns:p="http://schemas.openxmlformats.org/presentationml/2006/main">
+  <p:tag name="KSO_WM_BEAUTIFY_FLAG" val=""/>
+</p:tagLst>
+</file>
+
+<file path=ppt/tags/tag118.xml><?xml version="1.0" encoding="utf-8"?>
+<p:tagLst xmlns:p="http://schemas.openxmlformats.org/presentationml/2006/main">
+  <p:tag name="KSO_WM_BEAUTIFY_FLAG" val=""/>
+</p:tagLst>
+</file>
+
+<file path=ppt/tags/tag119.xml><?xml version="1.0" encoding="utf-8"?>
+<p:tagLst xmlns:p="http://schemas.openxmlformats.org/presentationml/2006/main">
+  <p:tag name="KSO_WM_BEAUTIFY_FLAG" val=""/>
 </p:tagLst>
 </file>
 
@@ -5944,6 +6958,42 @@
   <p:tag name="KSO_WM_UNIT_LAYERLEVEL" val="1"/>
   <p:tag name="KSO_WM_TAG_VERSION" val="1.0"/>
   <p:tag name="KSO_WM_BEAUTIFY_FLAG" val="#wm#"/>
+</p:tagLst>
+</file>
+
+<file path=ppt/tags/tag120.xml><?xml version="1.0" encoding="utf-8"?>
+<p:tagLst xmlns:p="http://schemas.openxmlformats.org/presentationml/2006/main">
+  <p:tag name="KSO_WM_BEAUTIFY_FLAG" val=""/>
+</p:tagLst>
+</file>
+
+<file path=ppt/tags/tag121.xml><?xml version="1.0" encoding="utf-8"?>
+<p:tagLst xmlns:p="http://schemas.openxmlformats.org/presentationml/2006/main">
+  <p:tag name="KSO_WM_BEAUTIFY_FLAG" val=""/>
+</p:tagLst>
+</file>
+
+<file path=ppt/tags/tag122.xml><?xml version="1.0" encoding="utf-8"?>
+<p:tagLst xmlns:p="http://schemas.openxmlformats.org/presentationml/2006/main">
+  <p:tag name="KSO_WM_BEAUTIFY_FLAG" val=""/>
+</p:tagLst>
+</file>
+
+<file path=ppt/tags/tag123.xml><?xml version="1.0" encoding="utf-8"?>
+<p:tagLst xmlns:p="http://schemas.openxmlformats.org/presentationml/2006/main">
+  <p:tag name="KSO_WM_BEAUTIFY_FLAG" val=""/>
+</p:tagLst>
+</file>
+
+<file path=ppt/tags/tag124.xml><?xml version="1.0" encoding="utf-8"?>
+<p:tagLst xmlns:p="http://schemas.openxmlformats.org/presentationml/2006/main">
+  <p:tag name="KSO_WM_BEAUTIFY_FLAG" val=""/>
+</p:tagLst>
+</file>
+
+<file path=ppt/tags/tag125.xml><?xml version="1.0" encoding="utf-8"?>
+<p:tagLst xmlns:p="http://schemas.openxmlformats.org/presentationml/2006/main">
+  <p:tag name="commondata" val="eyJoZGlkIjoiNjlmYTBjMzY5ZGFjOWY3YzM1NTlkODk2MDFmODU2ZGIifQ=="/>
 </p:tagLst>
 </file>
 
